--- a/簡報及DB/Entity Framework開發.pptx
+++ b/簡報及DB/Entity Framework開發.pptx
@@ -5,10 +5,10 @@
     <p:sldMasterId id="2147483648" r:id="rId1"/>
   </p:sldMasterIdLst>
   <p:notesMasterIdLst>
-    <p:notesMasterId r:id="rId27"/>
+    <p:notesMasterId r:id="rId26"/>
   </p:notesMasterIdLst>
   <p:handoutMasterIdLst>
-    <p:handoutMasterId r:id="rId28"/>
+    <p:handoutMasterId r:id="rId27"/>
   </p:handoutMasterIdLst>
   <p:sldIdLst>
     <p:sldId id="259" r:id="rId2"/>
@@ -35,7 +35,6 @@
     <p:sldId id="280" r:id="rId23"/>
     <p:sldId id="281" r:id="rId24"/>
     <p:sldId id="282" r:id="rId25"/>
-    <p:sldId id="283" r:id="rId26"/>
   </p:sldIdLst>
   <p:sldSz cx="9144000" cy="6858000" type="screen4x3"/>
   <p:notesSz cx="6858000" cy="9144000"/>
@@ -163,7 +162,6 @@
             <p14:sldId id="280"/>
             <p14:sldId id="281"/>
             <p14:sldId id="282"/>
-            <p14:sldId id="283"/>
           </p14:sldIdLst>
         </p14:section>
       </p14:sectionLst>
@@ -255,7 +253,7 @@
             <a:fld id="{D83FDC75-7F73-4A4A-A77C-09AADF00E0EA}" type="datetimeFigureOut">
               <a:rPr lang="en-US" altLang="zh-TW" smtClean="0"/>
               <a:pPr/>
-              <a:t>2015/2/25</a:t>
+              <a:t>3/8/2015</a:t>
             </a:fld>
             <a:endParaRPr lang="zh-TW" dirty="0"/>
           </a:p>
@@ -6795,206 +6793,6 @@
 </p:sldLayout>
 </file>
 
-<file path=ppt/slideLayouts/slideLayout35.xml><?xml version="1.0" encoding="utf-8"?>
-<p:sldLayout xmlns:a="http://schemas.openxmlformats.org/drawingml/2006/main" xmlns:r="http://schemas.openxmlformats.org/officeDocument/2006/relationships" xmlns:p="http://schemas.openxmlformats.org/presentationml/2006/main" userDrawn="1">
-  <p:cSld name="23_空白">
-    <p:spTree>
-      <p:nvGrpSpPr>
-        <p:cNvPr id="1" name=""/>
-        <p:cNvGrpSpPr/>
-        <p:nvPr/>
-      </p:nvGrpSpPr>
-      <p:grpSpPr>
-        <a:xfrm>
-          <a:off x="0" y="0"/>
-          <a:ext cx="0" cy="0"/>
-          <a:chOff x="0" y="0"/>
-          <a:chExt cx="0" cy="0"/>
-        </a:xfrm>
-      </p:grpSpPr>
-      <p:sp>
-        <p:nvSpPr>
-          <p:cNvPr id="9" name="Rectangle 2"/>
-          <p:cNvSpPr>
-            <a:spLocks noGrp="1" noChangeArrowheads="1"/>
-          </p:cNvSpPr>
-          <p:nvPr>
-            <p:ph type="title"/>
-          </p:nvPr>
-        </p:nvSpPr>
-        <p:spPr bwMode="auto">
-          <a:xfrm>
-            <a:off x="848497" y="765322"/>
-            <a:ext cx="7971975" cy="791905"/>
-          </a:xfrm>
-          <a:prstGeom prst="rect">
-            <a:avLst/>
-          </a:prstGeom>
-          <a:noFill/>
-          <a:ln w="9525">
-            <a:noFill/>
-            <a:miter lim="800000"/>
-            <a:headEnd/>
-            <a:tailEnd/>
-          </a:ln>
-        </p:spPr>
-        <p:txBody>
-          <a:bodyPr/>
-          <a:lstStyle/>
-          <a:p>
-            <a:pPr lvl="0"/>
-            <a:r>
-              <a:rPr lang="zh-TW" altLang="en-US" dirty="0" smtClean="0"/>
-              <a:t>按一下以編輯母片標題樣式</a:t>
-            </a:r>
-          </a:p>
-        </p:txBody>
-      </p:sp>
-      <p:sp>
-        <p:nvSpPr>
-          <p:cNvPr id="12" name="Rectangle 3"/>
-          <p:cNvSpPr>
-            <a:spLocks noGrp="1" noChangeArrowheads="1"/>
-          </p:cNvSpPr>
-          <p:nvPr>
-            <p:ph idx="1"/>
-          </p:nvPr>
-        </p:nvSpPr>
-        <p:spPr bwMode="auto">
-          <a:xfrm>
-            <a:off x="844550" y="1629217"/>
-            <a:ext cx="7975922" cy="4607445"/>
-          </a:xfrm>
-          <a:prstGeom prst="rect">
-            <a:avLst/>
-          </a:prstGeom>
-          <a:noFill/>
-          <a:ln w="9525">
-            <a:noFill/>
-            <a:miter lim="800000"/>
-            <a:headEnd/>
-            <a:tailEnd/>
-          </a:ln>
-        </p:spPr>
-        <p:txBody>
-          <a:bodyPr/>
-          <a:lstStyle>
-            <a:lvl1pPr marL="0" marR="0" indent="0" algn="l" defTabSz="914400" rtl="0" eaLnBrk="0" fontAlgn="base" latinLnBrk="0" hangingPunct="0">
-              <a:lnSpc>
-                <a:spcPct val="100000"/>
-              </a:lnSpc>
-              <a:spcBef>
-                <a:spcPct val="0"/>
-              </a:spcBef>
-              <a:spcAft>
-                <a:spcPct val="0"/>
-              </a:spcAft>
-              <a:buClrTx/>
-              <a:buSzTx/>
-              <a:buFont typeface="Arial" pitchFamily="34" charset="0"/>
-              <a:buNone/>
-              <a:tabLst/>
-              <a:defRPr sz="1800"/>
-            </a:lvl1pPr>
-          </a:lstStyle>
-          <a:p>
-            <a:pPr lvl="0"/>
-            <a:endParaRPr lang="zh-TW" altLang="en-US" noProof="0" dirty="0" smtClean="0"/>
-          </a:p>
-        </p:txBody>
-      </p:sp>
-      <p:sp>
-        <p:nvSpPr>
-          <p:cNvPr id="4" name="頁尾版面配置區 1"/>
-          <p:cNvSpPr>
-            <a:spLocks noGrp="1"/>
-          </p:cNvSpPr>
-          <p:nvPr>
-            <p:ph type="ftr" sz="quarter" idx="10"/>
-          </p:nvPr>
-        </p:nvSpPr>
-        <p:spPr/>
-        <p:txBody>
-          <a:bodyPr/>
-          <a:lstStyle>
-            <a:lvl1pPr>
-              <a:defRPr/>
-            </a:lvl1pPr>
-          </a:lstStyle>
-          <a:p>
-            <a:pPr>
-              <a:defRPr/>
-            </a:pPr>
-            <a:r>
-              <a:rPr lang="zh-TW" altLang="en-US"/>
-              <a:t>機密等級：            日期</a:t>
-            </a:r>
-            <a:r>
-              <a:rPr lang="en-US" altLang="zh-TW"/>
-              <a:t>(</a:t>
-            </a:r>
-            <a:r>
-              <a:rPr lang="zh-TW" altLang="en-US"/>
-              <a:t>版本</a:t>
-            </a:r>
-            <a:r>
-              <a:rPr lang="en-US" altLang="zh-TW"/>
-              <a:t>)</a:t>
-            </a:r>
-            <a:r>
-              <a:rPr lang="zh-TW" altLang="en-US"/>
-              <a:t>：</a:t>
-            </a:r>
-            <a:r>
-              <a:rPr lang="en-US" altLang="zh-TW" err="1"/>
-              <a:t>yyyy</a:t>
-            </a:r>
-            <a:r>
-              <a:rPr lang="en-US" altLang="zh-TW"/>
-              <a:t>/mm/</a:t>
-            </a:r>
-            <a:r>
-              <a:rPr lang="en-US" altLang="zh-TW" err="1"/>
-              <a:t>dd</a:t>
-            </a:r>
-            <a:r>
-              <a:rPr lang="en-US" altLang="zh-TW"/>
-              <a:t>(</a:t>
-            </a:r>
-            <a:r>
-              <a:rPr lang="zh-TW" altLang="en-US"/>
-              <a:t>第</a:t>
-            </a:r>
-            <a:r>
-              <a:rPr lang="en-US" altLang="zh-TW"/>
-              <a:t>1</a:t>
-            </a:r>
-            <a:r>
-              <a:rPr lang="zh-TW" altLang="en-US"/>
-              <a:t>版）</a:t>
-            </a:r>
-          </a:p>
-          <a:p>
-            <a:pPr>
-              <a:defRPr/>
-            </a:pPr>
-            <a:endParaRPr lang="zh-TW" altLang="en-US"/>
-          </a:p>
-        </p:txBody>
-      </p:sp>
-    </p:spTree>
-    <p:extLst>
-      <p:ext uri="{BB962C8B-B14F-4D97-AF65-F5344CB8AC3E}">
-        <p14:creationId xmlns:p14="http://schemas.microsoft.com/office/powerpoint/2010/main" val="896846491"/>
-      </p:ext>
-    </p:extLst>
-  </p:cSld>
-  <p:clrMapOvr>
-    <a:masterClrMapping/>
-  </p:clrMapOvr>
-</p:sldLayout>
-</file>
-
 <file path=ppt/slideLayouts/slideLayout4.xml><?xml version="1.0" encoding="utf-8"?>
 <p:sldLayout xmlns:a="http://schemas.openxmlformats.org/drawingml/2006/main" xmlns:r="http://schemas.openxmlformats.org/officeDocument/2006/relationships" xmlns:p="http://schemas.openxmlformats.org/presentationml/2006/main" type="twoObj" preserve="1">
   <p:cSld name="二個內容">
@@ -8629,7 +8427,7 @@
           <p:nvPr/>
         </p:nvPicPr>
         <p:blipFill rotWithShape="1">
-          <a:blip r:embed="rId37" cstate="email">
+          <a:blip r:embed="rId36" cstate="email">
             <a:extLst>
               <a:ext uri="{28A0092B-C50C-407E-A947-70E740481C1C}">
                 <a14:useLocalDpi xmlns:a14="http://schemas.microsoft.com/office/drawing/2010/main"/>
@@ -8873,7 +8671,7 @@
           <p:nvPr/>
         </p:nvPicPr>
         <p:blipFill rotWithShape="1">
-          <a:blip r:embed="rId38" cstate="email">
+          <a:blip r:embed="rId37" cstate="email">
             <a:extLst>
               <a:ext uri="{28A0092B-C50C-407E-A947-70E740481C1C}">
                 <a14:useLocalDpi xmlns:a14="http://schemas.microsoft.com/office/drawing/2010/main"/>
@@ -8931,7 +8729,6 @@
     <p:sldLayoutId id="2147483683" r:id="rId32"/>
     <p:sldLayoutId id="2147483684" r:id="rId33"/>
     <p:sldLayoutId id="2147483685" r:id="rId34"/>
-    <p:sldLayoutId id="2147483686" r:id="rId35"/>
   </p:sldLayoutIdLst>
   <p:transition spd="slow">
     <p:wipe dir="d"/>
@@ -16893,190 +16690,6 @@
   <p:clrMapOvr>
     <a:masterClrMapping/>
   </p:clrMapOvr>
-  <p:timing>
-    <p:tnLst>
-      <p:par>
-        <p:cTn id="1" dur="indefinite" restart="never" nodeType="tmRoot"/>
-      </p:par>
-    </p:tnLst>
-  </p:timing>
-</p:sld>
-</file>
-
-<file path=ppt/slides/slide25.xml><?xml version="1.0" encoding="utf-8"?>
-<p:sld xmlns:a="http://schemas.openxmlformats.org/drawingml/2006/main" xmlns:r="http://schemas.openxmlformats.org/officeDocument/2006/relationships" xmlns:p="http://schemas.openxmlformats.org/presentationml/2006/main">
-  <p:cSld>
-    <p:spTree>
-      <p:nvGrpSpPr>
-        <p:cNvPr id="1" name=""/>
-        <p:cNvGrpSpPr/>
-        <p:nvPr/>
-      </p:nvGrpSpPr>
-      <p:grpSpPr>
-        <a:xfrm>
-          <a:off x="0" y="0"/>
-          <a:ext cx="0" cy="0"/>
-          <a:chOff x="0" y="0"/>
-          <a:chExt cx="0" cy="0"/>
-        </a:xfrm>
-      </p:grpSpPr>
-      <p:sp>
-        <p:nvSpPr>
-          <p:cNvPr id="27652" name="Text Box 6"/>
-          <p:cNvSpPr txBox="1">
-            <a:spLocks noChangeArrowheads="1"/>
-          </p:cNvSpPr>
-          <p:nvPr/>
-        </p:nvSpPr>
-        <p:spPr bwMode="auto">
-          <a:xfrm>
-            <a:off x="1547814" y="3142523"/>
-            <a:ext cx="6048375" cy="823722"/>
-          </a:xfrm>
-          <a:prstGeom prst="rect">
-            <a:avLst/>
-          </a:prstGeom>
-          <a:noFill/>
-          <a:ln>
-            <a:noFill/>
-          </a:ln>
-          <a:extLst>
-            <a:ext uri="{909E8E84-426E-40DD-AFC4-6F175D3DCCD1}">
-              <a14:hiddenFill xmlns:a14="http://schemas.microsoft.com/office/drawing/2010/main">
-                <a:solidFill>
-                  <a:srgbClr val="FFFFFF"/>
-                </a:solidFill>
-              </a14:hiddenFill>
-            </a:ext>
-            <a:ext uri="{91240B29-F687-4F45-9708-019B960494DF}">
-              <a14:hiddenLine xmlns:a14="http://schemas.microsoft.com/office/drawing/2010/main" w="9525">
-                <a:solidFill>
-                  <a:srgbClr val="000000"/>
-                </a:solidFill>
-                <a:miter lim="800000"/>
-                <a:headEnd/>
-                <a:tailEnd/>
-              </a14:hiddenLine>
-            </a:ext>
-          </a:extLst>
-        </p:spPr>
-        <p:txBody>
-          <a:bodyPr>
-            <a:spAutoFit/>
-          </a:bodyPr>
-          <a:lstStyle>
-            <a:lvl1pPr>
-              <a:defRPr kumimoji="1">
-                <a:solidFill>
-                  <a:schemeClr val="tx1"/>
-                </a:solidFill>
-                <a:latin typeface="標楷體" pitchFamily="65" charset="-120"/>
-                <a:ea typeface="標楷體" pitchFamily="65" charset="-120"/>
-              </a:defRPr>
-            </a:lvl1pPr>
-            <a:lvl2pPr>
-              <a:defRPr kumimoji="1" sz="2800">
-                <a:solidFill>
-                  <a:schemeClr val="tx1"/>
-                </a:solidFill>
-                <a:latin typeface="標楷體" pitchFamily="65" charset="-120"/>
-                <a:ea typeface="標楷體" pitchFamily="65" charset="-120"/>
-              </a:defRPr>
-            </a:lvl2pPr>
-            <a:lvl3pPr>
-              <a:defRPr kumimoji="1" sz="2400">
-                <a:solidFill>
-                  <a:schemeClr val="tx1"/>
-                </a:solidFill>
-                <a:latin typeface="標楷體" pitchFamily="65" charset="-120"/>
-                <a:ea typeface="標楷體" pitchFamily="65" charset="-120"/>
-              </a:defRPr>
-            </a:lvl3pPr>
-            <a:lvl4pPr>
-              <a:defRPr kumimoji="1" sz="2000">
-                <a:solidFill>
-                  <a:schemeClr val="tx1"/>
-                </a:solidFill>
-                <a:latin typeface="標楷體" pitchFamily="65" charset="-120"/>
-                <a:ea typeface="標楷體" pitchFamily="65" charset="-120"/>
-              </a:defRPr>
-            </a:lvl4pPr>
-            <a:lvl5pPr>
-              <a:defRPr kumimoji="1" sz="2000">
-                <a:solidFill>
-                  <a:schemeClr val="tx1"/>
-                </a:solidFill>
-                <a:latin typeface="標楷體" pitchFamily="65" charset="-120"/>
-                <a:ea typeface="標楷體" pitchFamily="65" charset="-120"/>
-              </a:defRPr>
-            </a:lvl5pPr>
-            <a:lvl6pPr eaLnBrk="0" hangingPunct="0">
-              <a:defRPr kumimoji="1" sz="2000">
-                <a:solidFill>
-                  <a:schemeClr val="tx1"/>
-                </a:solidFill>
-                <a:latin typeface="標楷體" pitchFamily="65" charset="-120"/>
-                <a:ea typeface="標楷體" pitchFamily="65" charset="-120"/>
-              </a:defRPr>
-            </a:lvl6pPr>
-            <a:lvl7pPr eaLnBrk="0" hangingPunct="0">
-              <a:defRPr kumimoji="1" sz="2000">
-                <a:solidFill>
-                  <a:schemeClr val="tx1"/>
-                </a:solidFill>
-                <a:latin typeface="標楷體" pitchFamily="65" charset="-120"/>
-                <a:ea typeface="標楷體" pitchFamily="65" charset="-120"/>
-              </a:defRPr>
-            </a:lvl7pPr>
-            <a:lvl8pPr eaLnBrk="0" hangingPunct="0">
-              <a:defRPr kumimoji="1" sz="2000">
-                <a:solidFill>
-                  <a:schemeClr val="tx1"/>
-                </a:solidFill>
-                <a:latin typeface="標楷體" pitchFamily="65" charset="-120"/>
-                <a:ea typeface="標楷體" pitchFamily="65" charset="-120"/>
-              </a:defRPr>
-            </a:lvl8pPr>
-            <a:lvl9pPr eaLnBrk="0" hangingPunct="0">
-              <a:defRPr kumimoji="1" sz="2000">
-                <a:solidFill>
-                  <a:schemeClr val="tx1"/>
-                </a:solidFill>
-                <a:latin typeface="標楷體" pitchFamily="65" charset="-120"/>
-                <a:ea typeface="標楷體" pitchFamily="65" charset="-120"/>
-              </a:defRPr>
-            </a:lvl9pPr>
-          </a:lstStyle>
-          <a:p>
-            <a:pPr algn="ctr">
-              <a:spcBef>
-                <a:spcPct val="30000"/>
-              </a:spcBef>
-            </a:pPr>
-            <a:r>
-              <a:rPr lang="zh-TW" altLang="en-US" sz="4800" b="1" u="none">
-                <a:solidFill>
-                  <a:srgbClr val="4D4D4D"/>
-                </a:solidFill>
-              </a:rPr>
-              <a:t>報告完畢，謝謝指教</a:t>
-            </a:r>
-          </a:p>
-        </p:txBody>
-      </p:sp>
-    </p:spTree>
-    <p:extLst>
-      <p:ext uri="{BB962C8B-B14F-4D97-AF65-F5344CB8AC3E}">
-        <p14:creationId xmlns:p14="http://schemas.microsoft.com/office/powerpoint/2010/main" val="1792721243"/>
-      </p:ext>
-    </p:extLst>
-  </p:cSld>
-  <p:clrMapOvr>
-    <a:masterClrMapping/>
-  </p:clrMapOvr>
-  <p:transition>
-    <p:fade thruBlk="1"/>
-  </p:transition>
   <p:timing>
     <p:tnLst>
       <p:par>
